--- a/training-cards/emotional erwachsen/Family (FAM)/ger/apprentice/ger_FAM_04_Achtung_Wichtig_EE_A.pptx
+++ b/training-cards/emotional erwachsen/Family (FAM)/ger/apprentice/ger_FAM_04_Achtung_Wichtig_EE_A.pptx
@@ -108,6 +108,22 @@
       </a:defRPr>
     </a:lvl9pPr>
   </p:defaultTextStyle>
+  <p:extLst>
+    <p:ext uri="{EFAFB233-063F-42B5-8137-9DF3F51BA10A}">
+      <p15:sldGuideLst xmlns:p15="http://schemas.microsoft.com/office/powerpoint/2012/main">
+        <p15:guide id="1" orient="horz" pos="872">
+          <p15:clr>
+            <a:srgbClr val="A4A3A4"/>
+          </p15:clr>
+        </p15:guide>
+        <p15:guide id="2" pos="718">
+          <p15:clr>
+            <a:srgbClr val="A4A3A4"/>
+          </p15:clr>
+        </p15:guide>
+      </p15:sldGuideLst>
+    </p:ext>
+  </p:extLst>
 </p:presentation>
 </file>
 
@@ -193,7 +209,7 @@
           <a:p>
             <a:fld id="{6E077CBB-2DF5-4D45-BDDD-22DB2684D07E}" type="datetimeFigureOut">
               <a:rPr lang="de-DE" smtClean="0"/>
-              <a:t>28.07.15</a:t>
+              <a:t>04.11.15</a:t>
             </a:fld>
             <a:endParaRPr lang="de-DE"/>
           </a:p>
@@ -847,12 +863,168 @@
         </p:blipFill>
         <p:spPr>
           <a:xfrm>
-            <a:off x="6158151" y="3999820"/>
+            <a:off x="6270576" y="3872405"/>
             <a:ext cx="1028700" cy="1041400"/>
           </a:xfrm>
           <a:prstGeom prst="rect">
             <a:avLst/>
           </a:prstGeom>
+        </p:spPr>
+      </p:pic>
+      <p:sp>
+        <p:nvSpPr>
+          <p:cNvPr id="5" name="Textfeld 4"/>
+          <p:cNvSpPr txBox="1"/>
+          <p:nvPr userDrawn="1"/>
+        </p:nvSpPr>
+        <p:spPr>
+          <a:xfrm>
+            <a:off x="239285" y="4936890"/>
+            <a:ext cx="1044856" cy="276999"/>
+          </a:xfrm>
+          <a:prstGeom prst="rect">
+            <a:avLst/>
+          </a:prstGeom>
+          <a:noFill/>
+        </p:spPr>
+        <p:txBody>
+          <a:bodyPr wrap="square" rtlCol="0">
+            <a:spAutoFit/>
+          </a:bodyPr>
+          <a:lstStyle/>
+          <a:p>
+            <a:r>
+              <a:rPr lang="de-DE" sz="600" dirty="0">
+                <a:solidFill>
+                  <a:srgbClr val="5D5E5F"/>
+                </a:solidFill>
+                <a:latin typeface="Avenir Light"/>
+                <a:cs typeface="Avenir Light"/>
+              </a:rPr>
+              <a:t>Letzte Änderung: </a:t>
+            </a:r>
+            <a:fld id="{7A8C7DAC-E536-564C-B5B3-90E8FAB50562}" type="datetime1">
+              <a:rPr lang="de-DE" sz="600" smtClean="0">
+                <a:solidFill>
+                  <a:srgbClr val="5D5E5F"/>
+                </a:solidFill>
+                <a:latin typeface="Avenir Light"/>
+                <a:cs typeface="Avenir Light"/>
+              </a:rPr>
+              <a:t>04.11.15</a:t>
+            </a:fld>
+            <a:endParaRPr lang="de-DE" sz="600" dirty="0">
+              <a:solidFill>
+                <a:srgbClr val="5D5E5F"/>
+              </a:solidFill>
+              <a:latin typeface="Avenir Light"/>
+              <a:cs typeface="Avenir Light"/>
+            </a:endParaRPr>
+          </a:p>
+        </p:txBody>
+      </p:sp>
+      <p:sp>
+        <p:nvSpPr>
+          <p:cNvPr id="6" name="Shape 7"/>
+          <p:cNvSpPr/>
+          <p:nvPr userDrawn="1"/>
+        </p:nvSpPr>
+        <p:spPr>
+          <a:xfrm>
+            <a:off x="1683417" y="4952581"/>
+            <a:ext cx="4196016" cy="276995"/>
+          </a:xfrm>
+          <a:prstGeom prst="rect">
+            <a:avLst/>
+          </a:prstGeom>
+          <a:ln w="12700">
+            <a:miter lim="400000"/>
+          </a:ln>
+          <a:extLst>
+            <a:ext uri="{C572A759-6A51-4108-AA02-DFA0A04FC94B}">
+              <ma14:wrappingTextBoxFlag xmlns:ma14="http://schemas.microsoft.com/office/mac/drawingml/2011/main" val="1"/>
+            </a:ext>
+          </a:extLst>
+        </p:spPr>
+        <p:txBody>
+          <a:bodyPr wrap="none" lIns="45718" tIns="45718" rIns="45718" bIns="45718">
+            <a:spAutoFit/>
+          </a:bodyPr>
+          <a:lstStyle/>
+          <a:p>
+            <a:pPr lvl="0" algn="ctr">
+              <a:defRPr sz="1800"/>
+            </a:pPr>
+            <a:r>
+              <a:rPr sz="600" dirty="0">
+                <a:latin typeface="Avenir Light"/>
+                <a:ea typeface="Calibri"/>
+                <a:cs typeface="Avenir Light"/>
+                <a:sym typeface="Calibri"/>
+              </a:rPr>
+              <a:t>This work is licensed under the Creative Commons Attribution-NonCommercial-NoDerivatives 4.0 International License. </a:t>
+            </a:r>
+          </a:p>
+          <a:p>
+            <a:pPr lvl="0" algn="ctr">
+              <a:defRPr sz="1800"/>
+            </a:pPr>
+            <a:r>
+              <a:rPr sz="600" dirty="0">
+                <a:latin typeface="Avenir Light"/>
+                <a:ea typeface="Calibri"/>
+                <a:cs typeface="Avenir Light"/>
+                <a:sym typeface="Calibri"/>
+              </a:rPr>
+              <a:t>To view a copy of this license, visit </a:t>
+            </a:r>
+            <a:r>
+              <a:rPr sz="600" dirty="0">
+                <a:latin typeface="Avenir Light"/>
+                <a:ea typeface="Calibri"/>
+                <a:cs typeface="Avenir Light"/>
+                <a:sym typeface="Calibri"/>
+                <a:hlinkClick r:id="rId3"/>
+              </a:rPr>
+              <a:t>http://creativecommons.org/licenses/by-nc-nd/4.0/</a:t>
+            </a:r>
+            <a:r>
+              <a:rPr sz="600" dirty="0">
+                <a:latin typeface="Avenir Light"/>
+                <a:ea typeface="Calibri"/>
+                <a:cs typeface="Avenir Light"/>
+                <a:sym typeface="Calibri"/>
+              </a:rPr>
+              <a:t>.</a:t>
+            </a:r>
+          </a:p>
+        </p:txBody>
+      </p:sp>
+      <p:pic>
+        <p:nvPicPr>
+          <p:cNvPr id="7" name="pasted-image.tif"/>
+          <p:cNvPicPr/>
+          <p:nvPr userDrawn="1"/>
+        </p:nvPicPr>
+        <p:blipFill>
+          <a:blip r:embed="rId4">
+            <a:extLst/>
+          </a:blip>
+          <a:stretch>
+            <a:fillRect/>
+          </a:stretch>
+        </p:blipFill>
+        <p:spPr>
+          <a:xfrm>
+            <a:off x="6174185" y="4992838"/>
+            <a:ext cx="886619" cy="214128"/>
+          </a:xfrm>
+          <a:prstGeom prst="rect">
+            <a:avLst/>
+          </a:prstGeom>
+          <a:ln w="12700">
+            <a:miter lim="400000"/>
+          </a:ln>
         </p:spPr>
       </p:pic>
     </p:spTree>
@@ -865,6 +1037,13 @@
   <p:clrMapOvr>
     <a:masterClrMapping/>
   </p:clrMapOvr>
+  <p:timing>
+    <p:tnLst>
+      <p:par>
+        <p:cTn id="1" dur="indefinite" restart="never" nodeType="tmRoot"/>
+      </p:par>
+    </p:tnLst>
+  </p:timing>
 </p:sldLayout>
 </file>
 
@@ -1529,7 +1708,7 @@
           <a:p>
             <a:fld id="{FF5B2BAF-DF38-0A48-A798-0C06E514FD52}" type="datetimeFigureOut">
               <a:rPr lang="de-DE" smtClean="0"/>
-              <a:t>28.07.15</a:t>
+              <a:t>04.11.15</a:t>
             </a:fld>
             <a:endParaRPr lang="de-DE" dirty="0"/>
           </a:p>
@@ -2258,28 +2437,52 @@
         </p:nvSpPr>
         <p:spPr>
           <a:xfrm>
-            <a:off x="858838" y="1555750"/>
-            <a:ext cx="6344602" cy="3574439"/>
+            <a:off x="858838" y="1528997"/>
+            <a:ext cx="6344602" cy="3601193"/>
           </a:xfrm>
         </p:spPr>
         <p:txBody>
           <a:bodyPr>
-            <a:normAutofit lnSpcReduction="10000"/>
+            <a:normAutofit/>
           </a:bodyPr>
           <a:lstStyle/>
           <a:p>
+            <a:pPr>
+              <a:lnSpc>
+                <a:spcPts val="1200"/>
+              </a:lnSpc>
+              <a:spcBef>
+                <a:spcPts val="600"/>
+              </a:spcBef>
+            </a:pPr>
             <a:r>
               <a:rPr lang="de-DE" dirty="0"/>
               <a:t>Vereinbart einen festen Gegenstand ("Token"), den derjenige in die Hand nimmt, der etwas sagen möchte, was ihm sehr wichtig ist.</a:t>
             </a:r>
           </a:p>
           <a:p>
+            <a:pPr>
+              <a:lnSpc>
+                <a:spcPts val="1200"/>
+              </a:lnSpc>
+              <a:spcBef>
+                <a:spcPts val="600"/>
+              </a:spcBef>
+            </a:pPr>
             <a:r>
               <a:rPr lang="de-DE" dirty="0"/>
               <a:t>Das kann ein besonderer Stein sein oder ein Ball oder irgendetwas anderes aus Eurem Haushalt. Wichtig ist, dass alle über die Funktion des Tokens Bescheid wissen und verstehen, was es bedeutet, wenn er in die Hand genommen wird.</a:t>
             </a:r>
           </a:p>
           <a:p>
+            <a:pPr>
+              <a:lnSpc>
+                <a:spcPts val="1200"/>
+              </a:lnSpc>
+              <a:spcBef>
+                <a:spcPts val="600"/>
+              </a:spcBef>
+            </a:pPr>
             <a:r>
               <a:rPr lang="de-DE" dirty="0"/>
               <a:t>Platziert diesen Gegenstand bei Euren Besprechungen in der Mitte, so dass jeder Zugang dazu hat</a:t>
@@ -2290,6 +2493,14 @@
             </a:r>
           </a:p>
           <a:p>
+            <a:pPr>
+              <a:lnSpc>
+                <a:spcPts val="1200"/>
+              </a:lnSpc>
+              <a:spcBef>
+                <a:spcPts val="600"/>
+              </a:spcBef>
+            </a:pPr>
             <a:r>
               <a:rPr lang="de-DE" dirty="0" smtClean="0"/>
               <a:t>Wenn </a:t>
@@ -2304,6 +2515,14 @@
             </a:r>
           </a:p>
           <a:p>
+            <a:pPr>
+              <a:lnSpc>
+                <a:spcPts val="1200"/>
+              </a:lnSpc>
+              <a:spcBef>
+                <a:spcPts val="600"/>
+              </a:spcBef>
+            </a:pPr>
             <a:r>
               <a:rPr lang="de-DE" dirty="0" smtClean="0"/>
               <a:t>Sobald </a:t>
@@ -2318,6 +2537,14 @@
             </a:r>
           </a:p>
           <a:p>
+            <a:pPr>
+              <a:lnSpc>
+                <a:spcPts val="1200"/>
+              </a:lnSpc>
+              <a:spcBef>
+                <a:spcPts val="600"/>
+              </a:spcBef>
+            </a:pPr>
             <a:r>
               <a:rPr lang="de-DE" dirty="0" smtClean="0"/>
               <a:t>Der </a:t>
@@ -2336,6 +2563,14 @@
             </a:r>
           </a:p>
           <a:p>
+            <a:pPr>
+              <a:lnSpc>
+                <a:spcPts val="1200"/>
+              </a:lnSpc>
+              <a:spcBef>
+                <a:spcPts val="600"/>
+              </a:spcBef>
+            </a:pPr>
             <a:r>
               <a:rPr lang="de-DE" dirty="0" smtClean="0"/>
               <a:t>Wenn </a:t>
@@ -2350,6 +2585,14 @@
             </a:r>
           </a:p>
           <a:p>
+            <a:pPr>
+              <a:lnSpc>
+                <a:spcPts val="1200"/>
+              </a:lnSpc>
+              <a:spcBef>
+                <a:spcPts val="600"/>
+              </a:spcBef>
+            </a:pPr>
             <a:r>
               <a:rPr lang="de-DE" dirty="0" smtClean="0"/>
               <a:t>Sobald </a:t>
@@ -2387,6 +2630,14 @@
             </a:r>
           </a:p>
           <a:p>
+            <a:pPr>
+              <a:lnSpc>
+                <a:spcPts val="1200"/>
+              </a:lnSpc>
+              <a:spcBef>
+                <a:spcPts val="600"/>
+              </a:spcBef>
+            </a:pPr>
             <a:r>
               <a:rPr lang="de-DE" dirty="0" smtClean="0"/>
               <a:t>Wiederholt </a:t>
@@ -2413,6 +2664,13 @@
   <p:clrMapOvr>
     <a:masterClrMapping/>
   </p:clrMapOvr>
+  <p:timing>
+    <p:tnLst>
+      <p:par>
+        <p:cTn id="1" dur="indefinite" restart="never" nodeType="tmRoot"/>
+      </p:par>
+    </p:tnLst>
+  </p:timing>
 </p:sld>
 </file>
 
